--- a/java-reference/PPT/J7-异常处理.pptx
+++ b/java-reference/PPT/J7-异常处理.pptx
@@ -5,10 +5,10 @@
     <p:sldMasterId id="2147483648" r:id="rId1"/>
   </p:sldMasterIdLst>
   <p:notesMasterIdLst>
-    <p:notesMasterId r:id="rId22"/>
+    <p:notesMasterId r:id="rId23"/>
   </p:notesMasterIdLst>
   <p:handoutMasterIdLst>
-    <p:handoutMasterId r:id="rId23"/>
+    <p:handoutMasterId r:id="rId24"/>
   </p:handoutMasterIdLst>
   <p:sldIdLst>
     <p:sldId id="271" r:id="rId2"/>
@@ -25,17 +25,18 @@
     <p:sldId id="336" r:id="rId13"/>
     <p:sldId id="334" r:id="rId14"/>
     <p:sldId id="323" r:id="rId15"/>
-    <p:sldId id="324" r:id="rId16"/>
-    <p:sldId id="325" r:id="rId17"/>
-    <p:sldId id="326" r:id="rId18"/>
-    <p:sldId id="327" r:id="rId19"/>
-    <p:sldId id="329" r:id="rId20"/>
-    <p:sldId id="331" r:id="rId21"/>
+    <p:sldId id="337" r:id="rId16"/>
+    <p:sldId id="324" r:id="rId17"/>
+    <p:sldId id="325" r:id="rId18"/>
+    <p:sldId id="326" r:id="rId19"/>
+    <p:sldId id="327" r:id="rId20"/>
+    <p:sldId id="329" r:id="rId21"/>
+    <p:sldId id="331" r:id="rId22"/>
   </p:sldIdLst>
   <p:sldSz cx="12192000" cy="6858000"/>
   <p:notesSz cx="6858000" cy="9144000"/>
   <p:custDataLst>
-    <p:tags r:id="rId24"/>
+    <p:tags r:id="rId25"/>
   </p:custDataLst>
   <p:defaultTextStyle>
     <a:defPPr rtl="0">
@@ -3113,7 +3114,7 @@
                 <a:latin typeface="微软雅黑" panose="020B0503020204020204" pitchFamily="34" charset="-122"/>
                 <a:ea typeface="微软雅黑" panose="020B0503020204020204" pitchFamily="34" charset="-122"/>
               </a:rPr>
-              <a:t>2020年10月10日</a:t>
+              <a:t>2020年12月25日</a:t>
             </a:fld>
             <a:endParaRPr lang="zh-CN" altLang="en-US" dirty="0">
               <a:latin typeface="微软雅黑" panose="020B0503020204020204" pitchFamily="34" charset="-122"/>
@@ -3299,7 +3300,7 @@
             <a:fld id="{EA50F75F-AD11-4973-BAED-59A0098129E9}" type="datetime2">
               <a:rPr lang="zh-CN" altLang="en-US" smtClean="0"/>
               <a:pPr/>
-              <a:t>2020年10月10日</a:t>
+              <a:t>2020年12月25日</a:t>
             </a:fld>
             <a:endParaRPr lang="zh-CN" altLang="en-US" dirty="0"/>
           </a:p>
@@ -11432,7 +11433,7 @@
             <a:fld id="{B432DCC3-517C-49BA-ABA2-B2F6E7404DD7}" type="datetime2">
               <a:rPr lang="zh-CN" altLang="en-US" smtClean="0"/>
               <a:pPr/>
-              <a:t>2020年10月10日</a:t>
+              <a:t>2020年12月25日</a:t>
             </a:fld>
             <a:endParaRPr lang="zh-CN" altLang="en-US" dirty="0"/>
           </a:p>
@@ -11991,7 +11992,7 @@
             <a:fld id="{C3F416CD-67A3-4CF0-A210-F6AF31AC147F}" type="datetimeFigureOut">
               <a:rPr lang="en-US" smtClean="0"/>
               <a:pPr algn="l" eaLnBrk="1" latinLnBrk="0" hangingPunct="1"/>
-              <a:t>10/10/2020</a:t>
+              <a:t>12/25/2020</a:t>
             </a:fld>
             <a:endParaRPr lang="en-US" sz="800" dirty="0">
               <a:solidFill>
@@ -16959,9 +16960,52 @@
           </a:p>
         </p:txBody>
       </p:sp>
+    </p:spTree>
+  </p:cSld>
+  <p:clrMapOvr>
+    <a:masterClrMapping/>
+  </p:clrMapOvr>
+  <mc:AlternateContent xmlns:mc="http://schemas.openxmlformats.org/markup-compatibility/2006" xmlns:p14="http://schemas.microsoft.com/office/powerpoint/2010/main">
+    <mc:Choice Requires="p14">
+      <p:transition spd="med" p14:dur="700">
+        <p:fade/>
+      </p:transition>
+    </mc:Choice>
+    <mc:Fallback xmlns="">
+      <p:transition spd="med">
+        <p:fade/>
+      </p:transition>
+    </mc:Fallback>
+  </mc:AlternateContent>
+</p:sld>
+</file>
+
+<file path=ppt/slides/slide15.xml><?xml version="1.0" encoding="utf-8"?>
+<p:sld xmlns:a="http://schemas.openxmlformats.org/drawingml/2006/main" xmlns:r="http://schemas.openxmlformats.org/officeDocument/2006/relationships" xmlns:p="http://schemas.openxmlformats.org/presentationml/2006/main">
+  <p:cSld>
+    <p:spTree>
+      <p:nvGrpSpPr>
+        <p:cNvPr id="1" name=""/>
+        <p:cNvGrpSpPr/>
+        <p:nvPr/>
+      </p:nvGrpSpPr>
+      <p:grpSpPr>
+        <a:xfrm>
+          <a:off x="0" y="0"/>
+          <a:ext cx="0" cy="0"/>
+          <a:chOff x="0" y="0"/>
+          <a:chExt cx="0" cy="0"/>
+        </a:xfrm>
+      </p:grpSpPr>
       <p:sp>
         <p:nvSpPr>
-          <p:cNvPr id="24580" name="AutoShape 4"/>
+          <p:cNvPr id="4" name="AutoShape 4">
+            <a:extLst>
+              <a:ext uri="{FF2B5EF4-FFF2-40B4-BE49-F238E27FC236}">
+                <a16:creationId xmlns:a16="http://schemas.microsoft.com/office/drawing/2014/main" id="{384DF609-85AB-4D13-B525-9230F23EE5A3}"/>
+              </a:ext>
+            </a:extLst>
+          </p:cNvPr>
           <p:cNvSpPr>
             <a:spLocks noChangeArrowheads="1"/>
           </p:cNvSpPr>
@@ -16969,8 +17013,8 @@
         </p:nvSpPr>
         <p:spPr bwMode="auto">
           <a:xfrm>
-            <a:off x="1297559" y="2019300"/>
-            <a:ext cx="9144000" cy="2819400"/>
+            <a:off x="1446418" y="1165315"/>
+            <a:ext cx="8855822" cy="4755969"/>
           </a:xfrm>
           <a:prstGeom prst="wedgeRectCallout">
             <a:avLst>
@@ -17172,6 +17216,11 @@
         </p:txBody>
       </p:sp>
     </p:spTree>
+    <p:extLst>
+      <p:ext uri="{BB962C8B-B14F-4D97-AF65-F5344CB8AC3E}">
+        <p14:creationId xmlns:p14="http://schemas.microsoft.com/office/powerpoint/2010/main" val="735059162"/>
+      </p:ext>
+    </p:extLst>
   </p:cSld>
   <p:clrMapOvr>
     <a:masterClrMapping/>
@@ -17222,7 +17271,7 @@
                                           </p:stCondLst>
                                         </p:cTn>
                                         <p:tgtEl>
-                                          <p:spTgt spid="24580"/>
+                                          <p:spTgt spid="4"/>
                                         </p:tgtEl>
                                         <p:attrNameLst>
                                           <p:attrName>style.visibility</p:attrName>
@@ -17236,7 +17285,7 @@
                                       <p:cBhvr>
                                         <p:cTn id="7" dur="500"/>
                                         <p:tgtEl>
-                                          <p:spTgt spid="24580"/>
+                                          <p:spTgt spid="4"/>
                                         </p:tgtEl>
                                       </p:cBhvr>
                                     </p:animEffect>
@@ -17271,13 +17320,13 @@
       </p:par>
     </p:tnLst>
     <p:bldLst>
-      <p:bldP spid="24580" grpId="0" animBg="1"/>
+      <p:bldP spid="4" grpId="0" animBg="1"/>
     </p:bldLst>
   </p:timing>
 </p:sld>
 </file>
 
-<file path=ppt/slides/slide15.xml><?xml version="1.0" encoding="utf-8"?>
+<file path=ppt/slides/slide16.xml><?xml version="1.0" encoding="utf-8"?>
 <p:sld xmlns:a="http://schemas.openxmlformats.org/drawingml/2006/main" xmlns:r="http://schemas.openxmlformats.org/officeDocument/2006/relationships" xmlns:p="http://schemas.openxmlformats.org/presentationml/2006/main">
   <p:cSld>
     <p:spTree>
@@ -17442,223 +17491,6 @@
               <a:t>TryTest2.java </a:t>
             </a:r>
             <a:endParaRPr lang="zh-CN" altLang="en-US" dirty="0"/>
-          </a:p>
-        </p:txBody>
-      </p:sp>
-    </p:spTree>
-  </p:cSld>
-  <p:clrMapOvr>
-    <a:masterClrMapping/>
-  </p:clrMapOvr>
-  <mc:AlternateContent xmlns:mc="http://schemas.openxmlformats.org/markup-compatibility/2006" xmlns:p14="http://schemas.microsoft.com/office/powerpoint/2010/main">
-    <mc:Choice Requires="p14">
-      <p:transition spd="med" p14:dur="700">
-        <p:fade/>
-      </p:transition>
-    </mc:Choice>
-    <mc:Fallback xmlns="">
-      <p:transition spd="med">
-        <p:fade/>
-      </p:transition>
-    </mc:Fallback>
-  </mc:AlternateContent>
-</p:sld>
-</file>
-
-<file path=ppt/slides/slide16.xml><?xml version="1.0" encoding="utf-8"?>
-<p:sld xmlns:a="http://schemas.openxmlformats.org/drawingml/2006/main" xmlns:r="http://schemas.openxmlformats.org/officeDocument/2006/relationships" xmlns:p="http://schemas.openxmlformats.org/presentationml/2006/main">
-  <p:cSld>
-    <p:spTree>
-      <p:nvGrpSpPr>
-        <p:cNvPr id="1" name=""/>
-        <p:cNvGrpSpPr/>
-        <p:nvPr/>
-      </p:nvGrpSpPr>
-      <p:grpSpPr>
-        <a:xfrm>
-          <a:off x="0" y="0"/>
-          <a:ext cx="0" cy="0"/>
-          <a:chOff x="0" y="0"/>
-          <a:chExt cx="0" cy="0"/>
-        </a:xfrm>
-      </p:grpSpPr>
-      <p:sp>
-        <p:nvSpPr>
-          <p:cNvPr id="28674" name="Rectangle 2"/>
-          <p:cNvSpPr>
-            <a:spLocks noGrp="1" noChangeArrowheads="1"/>
-          </p:cNvSpPr>
-          <p:nvPr>
-            <p:ph type="title"/>
-          </p:nvPr>
-        </p:nvSpPr>
-        <p:spPr/>
-        <p:txBody>
-          <a:bodyPr/>
-          <a:lstStyle/>
-          <a:p>
-            <a:r>
-              <a:rPr lang="zh-CN"/>
-              <a:t>throw语句</a:t>
-            </a:r>
-          </a:p>
-        </p:txBody>
-      </p:sp>
-      <p:sp>
-        <p:nvSpPr>
-          <p:cNvPr id="28675" name="Rectangle 3"/>
-          <p:cNvSpPr>
-            <a:spLocks noGrp="1" noChangeArrowheads="1"/>
-          </p:cNvSpPr>
-          <p:nvPr>
-            <p:ph sz="quarter" idx="10"/>
-          </p:nvPr>
-        </p:nvSpPr>
-        <p:spPr/>
-        <p:txBody>
-          <a:bodyPr/>
-          <a:lstStyle/>
-          <a:p>
-            <a:r>
-              <a:rPr lang="zh-CN" dirty="0">
-                <a:sym typeface="Arial" charset="0"/>
-              </a:rPr>
-              <a:t>在实际的应用程序中，除了可能产生Java的标准异常外，还可能产生应用程序的特定异常，这时应用程序应该给用户提供明确的指示，帮助用户正确理解和使用该应用程序。</a:t>
-            </a:r>
-            <a:endParaRPr lang="en-US" altLang="zh-CN" dirty="0">
-              <a:sym typeface="Arial" charset="0"/>
-            </a:endParaRPr>
-          </a:p>
-          <a:p>
-            <a:r>
-              <a:rPr lang="en-US" altLang="zh-CN" dirty="0">
-                <a:sym typeface="Arial" charset="0"/>
-              </a:rPr>
-              <a:t>throw</a:t>
-            </a:r>
-            <a:r>
-              <a:rPr lang="zh-CN" altLang="en-US" dirty="0">
-                <a:sym typeface="Arial" charset="0"/>
-              </a:rPr>
-              <a:t>语句抛出异常格式为：</a:t>
-            </a:r>
-          </a:p>
-          <a:p>
-            <a:pPr lvl="1"/>
-            <a:r>
-              <a:rPr lang="zh-CN" altLang="en-US" dirty="0">
-                <a:sym typeface="Arial" charset="0"/>
-              </a:rPr>
-              <a:t>	    </a:t>
-            </a:r>
-            <a:r>
-              <a:rPr lang="en-US" altLang="zh-CN" dirty="0">
-                <a:sym typeface="Arial" charset="0"/>
-              </a:rPr>
-              <a:t>throw </a:t>
-            </a:r>
-            <a:r>
-              <a:rPr lang="zh-CN" altLang="en-US" dirty="0">
-                <a:sym typeface="Arial" charset="0"/>
-              </a:rPr>
-              <a:t>表达式</a:t>
-            </a:r>
-            <a:r>
-              <a:rPr lang="en-US" altLang="zh-CN" dirty="0">
-                <a:sym typeface="Arial" charset="0"/>
-              </a:rPr>
-              <a:t>;</a:t>
-            </a:r>
-          </a:p>
-          <a:p>
-            <a:pPr lvl="1"/>
-            <a:r>
-              <a:rPr lang="zh-CN" altLang="en-US" dirty="0">
-                <a:sym typeface="Arial" charset="0"/>
-              </a:rPr>
-              <a:t>   其中，“表达式” 为一个异常对象。</a:t>
-            </a:r>
-          </a:p>
-          <a:p>
-            <a:pPr lvl="1"/>
-            <a:r>
-              <a:rPr lang="zh-CN" altLang="en-US" dirty="0">
-                <a:sym typeface="Arial" charset="0"/>
-              </a:rPr>
-              <a:t>例： </a:t>
-            </a:r>
-          </a:p>
-          <a:p>
-            <a:pPr lvl="1"/>
-            <a:r>
-              <a:rPr lang="zh-CN" altLang="en-US" dirty="0">
-                <a:sym typeface="Arial" charset="0"/>
-              </a:rPr>
-              <a:t>   </a:t>
-            </a:r>
-            <a:r>
-              <a:rPr lang="en-US" altLang="zh-CN" dirty="0">
-                <a:sym typeface="Arial" charset="0"/>
-              </a:rPr>
-              <a:t>throw new </a:t>
-            </a:r>
-            <a:r>
-              <a:rPr lang="en-US" altLang="zh-CN" dirty="0" err="1">
-                <a:sym typeface="Arial" charset="0"/>
-              </a:rPr>
-              <a:t>IOException</a:t>
-            </a:r>
-            <a:r>
-              <a:rPr lang="en-US" altLang="zh-CN" dirty="0">
-                <a:sym typeface="Arial" charset="0"/>
-              </a:rPr>
-              <a:t>("Not found the file");</a:t>
-            </a:r>
-          </a:p>
-          <a:p>
-            <a:endParaRPr lang="zh-CN" dirty="0">
-              <a:sym typeface="Arial" charset="0"/>
-            </a:endParaRPr>
-          </a:p>
-        </p:txBody>
-      </p:sp>
-      <p:sp>
-        <p:nvSpPr>
-          <p:cNvPr id="14" name="Rectangle 5"/>
-          <p:cNvSpPr>
-            <a:spLocks noChangeArrowheads="1"/>
-          </p:cNvSpPr>
-          <p:nvPr/>
-        </p:nvSpPr>
-        <p:spPr bwMode="auto">
-          <a:xfrm>
-            <a:off x="8858250" y="6491288"/>
-            <a:ext cx="1809750" cy="366712"/>
-          </a:xfrm>
-          <a:prstGeom prst="rect">
-            <a:avLst/>
-          </a:prstGeom>
-          <a:noFill/>
-          <a:ln w="9525" algn="ctr">
-            <a:noFill/>
-            <a:miter lim="800000"/>
-            <a:headEnd/>
-            <a:tailEnd/>
-          </a:ln>
-          <a:effectLst/>
-        </p:spPr>
-        <p:txBody>
-          <a:bodyPr wrap="none" anchor="ctr">
-            <a:spAutoFit/>
-          </a:bodyPr>
-          <a:lstStyle/>
-          <a:p>
-            <a:r>
-              <a:rPr lang="en-US" altLang="zh-CN" dirty="0">
-                <a:ea typeface="宋体" charset="-122"/>
-              </a:rPr>
-              <a:t>ThrowTest.java </a:t>
-            </a:r>
           </a:p>
         </p:txBody>
       </p:sp>
@@ -17701,7 +17533,7 @@
       </p:grpSpPr>
       <p:sp>
         <p:nvSpPr>
-          <p:cNvPr id="29698" name="Rectangle 2"/>
+          <p:cNvPr id="28674" name="Rectangle 2"/>
           <p:cNvSpPr>
             <a:spLocks noGrp="1" noChangeArrowheads="1"/>
           </p:cNvSpPr>
@@ -17716,14 +17548,14 @@
           <a:p>
             <a:r>
               <a:rPr lang="zh-CN"/>
-              <a:t>自定义异常类</a:t>
+              <a:t>throw语句</a:t>
             </a:r>
           </a:p>
         </p:txBody>
       </p:sp>
       <p:sp>
         <p:nvSpPr>
-          <p:cNvPr id="29699" name="Rectangle 3"/>
+          <p:cNvPr id="28675" name="Rectangle 3"/>
           <p:cNvSpPr>
             <a:spLocks noGrp="1" noChangeArrowheads="1"/>
           </p:cNvSpPr>
@@ -17740,34 +17572,7 @@
               <a:rPr lang="zh-CN" dirty="0">
                 <a:sym typeface="Arial" charset="0"/>
               </a:rPr>
-              <a:t>用户可以根据需要定义异常类。则要完成三件事:</a:t>
-            </a:r>
-          </a:p>
-          <a:p>
-            <a:pPr lvl="1"/>
-            <a:r>
-              <a:rPr lang="zh-CN" dirty="0">
-                <a:sym typeface="Arial" charset="0"/>
-              </a:rPr>
-              <a:t>生成Throwable类或其子类的一个子类。</a:t>
-            </a:r>
-          </a:p>
-          <a:p>
-            <a:pPr lvl="1"/>
-            <a:r>
-              <a:rPr lang="zh-CN" dirty="0">
-                <a:sym typeface="Arial" charset="0"/>
-              </a:rPr>
-              <a:t>在可能发生异常的地方，判断是否发生异常，如果发生异常，则用throw抛出异常。</a:t>
-            </a:r>
-          </a:p>
-          <a:p>
-            <a:pPr lvl="1"/>
-            <a:r>
-              <a:rPr lang="zh-CN" dirty="0">
-                <a:sym typeface="Arial" charset="0"/>
-              </a:rPr>
-              <a:t>用try-catch-finally结构来捕获异常，进行处理。</a:t>
+              <a:t>在实际的应用程序中，除了可能产生Java的标准异常外，还可能产生应用程序的特定异常，这时应用程序应该给用户提供明确的指示，帮助用户正确理解和使用该应用程序。</a:t>
             </a:r>
             <a:endParaRPr lang="en-US" altLang="zh-CN" dirty="0">
               <a:sym typeface="Arial" charset="0"/>
@@ -17775,110 +17580,134 @@
           </a:p>
           <a:p>
             <a:r>
+              <a:rPr lang="en-US" altLang="zh-CN" dirty="0">
+                <a:sym typeface="Arial" charset="0"/>
+              </a:rPr>
+              <a:t>throw</a:t>
+            </a:r>
+            <a:r>
               <a:rPr lang="zh-CN" altLang="en-US" dirty="0">
                 <a:sym typeface="Arial" charset="0"/>
               </a:rPr>
-              <a:t>例，自定义异常类</a:t>
+              <a:t>语句抛出异常格式为：</a:t>
+            </a:r>
+          </a:p>
+          <a:p>
+            <a:pPr lvl="1"/>
+            <a:r>
+              <a:rPr lang="zh-CN" altLang="en-US" dirty="0">
+                <a:sym typeface="Arial" charset="0"/>
+              </a:rPr>
+              <a:t>	    </a:t>
+            </a:r>
+            <a:r>
+              <a:rPr lang="en-US" altLang="zh-CN" dirty="0">
+                <a:sym typeface="Arial" charset="0"/>
+              </a:rPr>
+              <a:t>throw </a:t>
+            </a:r>
+            <a:r>
+              <a:rPr lang="zh-CN" altLang="en-US" dirty="0">
+                <a:sym typeface="Arial" charset="0"/>
+              </a:rPr>
+              <a:t>表达式</a:t>
+            </a:r>
+            <a:r>
+              <a:rPr lang="en-US" altLang="zh-CN" dirty="0">
+                <a:sym typeface="Arial" charset="0"/>
+              </a:rPr>
+              <a:t>;</a:t>
+            </a:r>
+          </a:p>
+          <a:p>
+            <a:pPr lvl="1"/>
+            <a:r>
+              <a:rPr lang="zh-CN" altLang="en-US" dirty="0">
+                <a:sym typeface="Arial" charset="0"/>
+              </a:rPr>
+              <a:t>   其中，“表达式” 为一个异常对象。</a:t>
+            </a:r>
+          </a:p>
+          <a:p>
+            <a:pPr lvl="1"/>
+            <a:r>
+              <a:rPr lang="zh-CN" altLang="en-US" dirty="0">
+                <a:sym typeface="Arial" charset="0"/>
+              </a:rPr>
+              <a:t>例： </a:t>
+            </a:r>
+          </a:p>
+          <a:p>
+            <a:pPr lvl="1"/>
+            <a:r>
+              <a:rPr lang="zh-CN" altLang="en-US" dirty="0">
+                <a:sym typeface="Arial" charset="0"/>
+              </a:rPr>
+              <a:t>   </a:t>
+            </a:r>
+            <a:r>
+              <a:rPr lang="en-US" altLang="zh-CN" dirty="0">
+                <a:sym typeface="Arial" charset="0"/>
+              </a:rPr>
+              <a:t>throw new </a:t>
             </a:r>
             <a:r>
               <a:rPr lang="en-US" altLang="zh-CN" dirty="0" err="1">
                 <a:sym typeface="Arial" charset="0"/>
               </a:rPr>
-              <a:t>IllegalMarkException</a:t>
+              <a:t>IOException</a:t>
             </a:r>
             <a:r>
               <a:rPr lang="en-US" altLang="zh-CN" dirty="0">
                 <a:sym typeface="Arial" charset="0"/>
               </a:rPr>
-              <a:t>:</a:t>
-            </a:r>
-          </a:p>
-          <a:p>
-            <a:pPr marL="274320" lvl="1" indent="0">
-              <a:buNone/>
-            </a:pPr>
-            <a:r>
-              <a:rPr lang="zh-CN" altLang="en-US" dirty="0">
-                <a:sym typeface="Arial" charset="0"/>
-              </a:rPr>
-              <a:t>  </a:t>
-            </a:r>
-            <a:r>
-              <a:rPr lang="en-US" altLang="zh-CN" dirty="0">
-                <a:sym typeface="Arial" charset="0"/>
-              </a:rPr>
-              <a:t>class </a:t>
-            </a:r>
-            <a:r>
-              <a:rPr lang="en-US" altLang="zh-CN" dirty="0" err="1">
-                <a:sym typeface="Arial" charset="0"/>
-              </a:rPr>
-              <a:t>IllegelMarkException</a:t>
-            </a:r>
-            <a:r>
-              <a:rPr lang="en-US" altLang="zh-CN" dirty="0">
-                <a:sym typeface="Arial" charset="0"/>
-              </a:rPr>
-              <a:t> extends </a:t>
-            </a:r>
-            <a:r>
-              <a:rPr lang="en-US" altLang="zh-CN" dirty="0" err="1">
-                <a:sym typeface="Arial" charset="0"/>
-              </a:rPr>
-              <a:t>Throwable</a:t>
-            </a:r>
-            <a:r>
-              <a:rPr lang="en-US" altLang="zh-CN" dirty="0">
-                <a:sym typeface="Arial" charset="0"/>
-              </a:rPr>
-              <a:t>{</a:t>
-            </a:r>
-          </a:p>
-          <a:p>
-            <a:pPr marL="274320" lvl="1" indent="0">
-              <a:buNone/>
-            </a:pPr>
-            <a:r>
-              <a:rPr lang="zh-CN" altLang="en-US" dirty="0">
-                <a:sym typeface="Arial" charset="0"/>
-              </a:rPr>
-              <a:t>	    </a:t>
-            </a:r>
-            <a:r>
-              <a:rPr lang="en-US" altLang="zh-CN" dirty="0" err="1">
-                <a:sym typeface="Arial" charset="0"/>
-              </a:rPr>
-              <a:t>IllegelMarkException</a:t>
-            </a:r>
-            <a:r>
-              <a:rPr lang="en-US" altLang="zh-CN" dirty="0">
-                <a:sym typeface="Arial" charset="0"/>
-              </a:rPr>
-              <a:t>() {}</a:t>
-            </a:r>
-          </a:p>
-          <a:p>
-            <a:pPr marL="274320" lvl="1" indent="0">
-              <a:buNone/>
-            </a:pPr>
-            <a:r>
-              <a:rPr lang="zh-CN" altLang="en-US" dirty="0">
-                <a:sym typeface="Arial" charset="0"/>
-              </a:rPr>
-              <a:t>  </a:t>
-            </a:r>
-            <a:r>
-              <a:rPr lang="en-US" altLang="zh-CN" dirty="0">
-                <a:sym typeface="Arial" charset="0"/>
-              </a:rPr>
-              <a:t>} </a:t>
-            </a:r>
-          </a:p>
-          <a:p>
-            <a:pPr lvl="1"/>
+              <a:t>("Not found the file");</a:t>
+            </a:r>
+          </a:p>
+          <a:p>
             <a:endParaRPr lang="zh-CN" dirty="0">
               <a:sym typeface="Arial" charset="0"/>
             </a:endParaRPr>
+          </a:p>
+        </p:txBody>
+      </p:sp>
+      <p:sp>
+        <p:nvSpPr>
+          <p:cNvPr id="14" name="Rectangle 5"/>
+          <p:cNvSpPr>
+            <a:spLocks noChangeArrowheads="1"/>
+          </p:cNvSpPr>
+          <p:nvPr/>
+        </p:nvSpPr>
+        <p:spPr bwMode="auto">
+          <a:xfrm>
+            <a:off x="8858250" y="6491288"/>
+            <a:ext cx="1809750" cy="366712"/>
+          </a:xfrm>
+          <a:prstGeom prst="rect">
+            <a:avLst/>
+          </a:prstGeom>
+          <a:noFill/>
+          <a:ln w="9525" algn="ctr">
+            <a:noFill/>
+            <a:miter lim="800000"/>
+            <a:headEnd/>
+            <a:tailEnd/>
+          </a:ln>
+          <a:effectLst/>
+        </p:spPr>
+        <p:txBody>
+          <a:bodyPr wrap="none" anchor="ctr">
+            <a:spAutoFit/>
+          </a:bodyPr>
+          <a:lstStyle/>
+          <a:p>
+            <a:r>
+              <a:rPr lang="en-US" altLang="zh-CN" dirty="0">
+                <a:ea typeface="宋体" charset="-122"/>
+              </a:rPr>
+              <a:t>ThrowTest.java </a:t>
+            </a:r>
           </a:p>
         </p:txBody>
       </p:sp>
@@ -17921,7 +17750,7 @@
       </p:grpSpPr>
       <p:sp>
         <p:nvSpPr>
-          <p:cNvPr id="30722" name="Rectangle 2"/>
+          <p:cNvPr id="29698" name="Rectangle 2"/>
           <p:cNvSpPr>
             <a:spLocks noGrp="1" noChangeArrowheads="1"/>
           </p:cNvSpPr>
@@ -17936,14 +17765,14 @@
           <a:p>
             <a:r>
               <a:rPr lang="zh-CN"/>
-              <a:t>throws语句</a:t>
+              <a:t>自定义异常类</a:t>
             </a:r>
           </a:p>
         </p:txBody>
       </p:sp>
       <p:sp>
         <p:nvSpPr>
-          <p:cNvPr id="30723" name="Rectangle 3"/>
+          <p:cNvPr id="29699" name="Rectangle 3"/>
           <p:cNvSpPr>
             <a:spLocks noGrp="1" noChangeArrowheads="1"/>
           </p:cNvSpPr>
@@ -17957,65 +17786,60 @@
           <a:lstStyle/>
           <a:p>
             <a:r>
-              <a:rPr lang="zh-CN" sz="2800" dirty="0">
+              <a:rPr lang="zh-CN" dirty="0">
                 <a:sym typeface="Arial" charset="0"/>
               </a:rPr>
-              <a:t>抛出异常的方法并不处理该异常，而是由调用该方法的另一方法来处理，那么这时可以使用throws语句给方法声明一个例外情况，其声明格式为：</a:t>
-            </a:r>
-            <a:endParaRPr lang="en-US" altLang="zh-CN" sz="2800" dirty="0">
+              <a:t>用户可以根据需要定义异常类。则要完成三件事:</a:t>
+            </a:r>
+          </a:p>
+          <a:p>
+            <a:pPr lvl="1"/>
+            <a:r>
+              <a:rPr lang="zh-CN" dirty="0">
+                <a:sym typeface="Arial" charset="0"/>
+              </a:rPr>
+              <a:t>生成Throwable类或其子类的一个子类。</a:t>
+            </a:r>
+          </a:p>
+          <a:p>
+            <a:pPr lvl="1"/>
+            <a:r>
+              <a:rPr lang="zh-CN" dirty="0">
+                <a:sym typeface="Arial" charset="0"/>
+              </a:rPr>
+              <a:t>在可能发生异常的地方，判断是否发生异常，如果发生异常，则用throw抛出异常。</a:t>
+            </a:r>
+          </a:p>
+          <a:p>
+            <a:pPr lvl="1"/>
+            <a:r>
+              <a:rPr lang="zh-CN" dirty="0">
+                <a:sym typeface="Arial" charset="0"/>
+              </a:rPr>
+              <a:t>用try-catch-finally结构来捕获异常，进行处理。</a:t>
+            </a:r>
+            <a:endParaRPr lang="en-US" altLang="zh-CN" dirty="0">
               <a:sym typeface="Arial" charset="0"/>
             </a:endParaRPr>
           </a:p>
           <a:p>
             <a:r>
-              <a:rPr lang="en-US" altLang="zh-CN" sz="2800" dirty="0"/>
-              <a:t>&lt;</a:t>
-            </a:r>
-            <a:r>
-              <a:rPr lang="zh-CN" altLang="en-US" sz="2800" dirty="0"/>
-              <a:t>返回类型</a:t>
-            </a:r>
-            <a:r>
-              <a:rPr lang="en-US" altLang="zh-CN" sz="2800" dirty="0"/>
-              <a:t>&gt; &lt;</a:t>
-            </a:r>
-            <a:r>
-              <a:rPr lang="zh-CN" altLang="en-US" sz="2800" dirty="0"/>
-              <a:t>方法名</a:t>
-            </a:r>
-            <a:r>
-              <a:rPr lang="en-US" altLang="zh-CN" sz="2800" dirty="0"/>
-              <a:t>&gt;(</a:t>
-            </a:r>
-            <a:r>
-              <a:rPr lang="en-US" altLang="zh-CN" sz="2800" dirty="0" err="1"/>
-              <a:t>paraList</a:t>
-            </a:r>
-            <a:r>
-              <a:rPr lang="en-US" altLang="zh-CN" sz="2800" dirty="0"/>
-              <a:t>)</a:t>
-            </a:r>
-            <a:r>
-              <a:rPr lang="zh-CN" altLang="en-US" sz="2800" dirty="0"/>
-              <a:t> </a:t>
-            </a:r>
-            <a:r>
-              <a:rPr lang="en-US" altLang="zh-CN" sz="2800" dirty="0"/>
-              <a:t>throws</a:t>
-            </a:r>
-            <a:r>
-              <a:rPr lang="zh-CN" altLang="en-US" sz="2800" dirty="0"/>
-              <a:t> 异常类</a:t>
-            </a:r>
-            <a:r>
-              <a:rPr lang="en-US" altLang="zh-CN" sz="2800" dirty="0"/>
-              <a:t>1,...</a:t>
-            </a:r>
-          </a:p>
-          <a:p>
-            <a:r>
-              <a:rPr lang="zh-CN" altLang="en-US" sz="2800" dirty="0"/>
-              <a:t>例：</a:t>
+              <a:rPr lang="zh-CN" altLang="en-US" dirty="0">
+                <a:sym typeface="Arial" charset="0"/>
+              </a:rPr>
+              <a:t>例，自定义异常类</a:t>
+            </a:r>
+            <a:r>
+              <a:rPr lang="en-US" altLang="zh-CN" dirty="0" err="1">
+                <a:sym typeface="Arial" charset="0"/>
+              </a:rPr>
+              <a:t>IllegalMarkException</a:t>
+            </a:r>
+            <a:r>
+              <a:rPr lang="en-US" altLang="zh-CN" dirty="0">
+                <a:sym typeface="Arial" charset="0"/>
+              </a:rPr>
+              <a:t>:</a:t>
             </a:r>
           </a:p>
           <a:p>
@@ -18023,24 +17847,40 @@
               <a:buNone/>
             </a:pPr>
             <a:r>
-              <a:rPr lang="zh-CN" altLang="en-US" sz="2400" dirty="0"/>
-              <a:t> </a:t>
-            </a:r>
-            <a:r>
-              <a:rPr lang="en-US" altLang="zh-CN" sz="2400" dirty="0"/>
-              <a:t>void exam(int mark) throws</a:t>
-            </a:r>
-            <a:r>
-              <a:rPr lang="zh-CN" altLang="en-US" sz="2400" dirty="0"/>
-              <a:t> </a:t>
-            </a:r>
-            <a:r>
-              <a:rPr lang="en-US" altLang="zh-CN" sz="2400" dirty="0" err="1"/>
-              <a:t>NegativeMarkException</a:t>
-            </a:r>
-            <a:r>
-              <a:rPr lang="en-US" altLang="zh-CN" sz="2400" dirty="0"/>
-              <a:t>,</a:t>
+              <a:rPr lang="zh-CN" altLang="en-US" dirty="0">
+                <a:sym typeface="Arial" charset="0"/>
+              </a:rPr>
+              <a:t>  </a:t>
+            </a:r>
+            <a:r>
+              <a:rPr lang="en-US" altLang="zh-CN" dirty="0">
+                <a:sym typeface="Arial" charset="0"/>
+              </a:rPr>
+              <a:t>class </a:t>
+            </a:r>
+            <a:r>
+              <a:rPr lang="en-US" altLang="zh-CN" dirty="0" err="1">
+                <a:sym typeface="Arial" charset="0"/>
+              </a:rPr>
+              <a:t>IllegelMarkException</a:t>
+            </a:r>
+            <a:r>
+              <a:rPr lang="en-US" altLang="zh-CN" dirty="0">
+                <a:sym typeface="Arial" charset="0"/>
+              </a:rPr>
+              <a:t> extends </a:t>
+            </a:r>
+            <a:r>
+              <a:rPr lang="en-US" altLang="zh-CN" dirty="0" err="1">
+                <a:sym typeface="Arial" charset="0"/>
+              </a:rPr>
+              <a:t>Throwable</a:t>
+            </a:r>
+            <a:r>
+              <a:rPr lang="en-US" altLang="zh-CN" dirty="0">
+                <a:sym typeface="Arial" charset="0"/>
+              </a:rPr>
+              <a:t>{</a:t>
             </a:r>
           </a:p>
           <a:p>
@@ -18048,16 +17888,22 @@
               <a:buNone/>
             </a:pPr>
             <a:r>
-              <a:rPr lang="zh-CN" altLang="en-US" sz="2400" dirty="0"/>
-              <a:t>                            </a:t>
-            </a:r>
-            <a:r>
-              <a:rPr lang="en-US" altLang="zh-CN" sz="2400" dirty="0" err="1"/>
-              <a:t>OutofMarkException</a:t>
-            </a:r>
-            <a:r>
-              <a:rPr lang="en-US" altLang="zh-CN" sz="2400" dirty="0"/>
-              <a:t> {</a:t>
+              <a:rPr lang="zh-CN" altLang="en-US" dirty="0">
+                <a:sym typeface="Arial" charset="0"/>
+              </a:rPr>
+              <a:t>	    </a:t>
+            </a:r>
+            <a:r>
+              <a:rPr lang="en-US" altLang="zh-CN" dirty="0" err="1">
+                <a:sym typeface="Arial" charset="0"/>
+              </a:rPr>
+              <a:t>IllegelMarkException</a:t>
+            </a:r>
+            <a:r>
+              <a:rPr lang="en-US" altLang="zh-CN" dirty="0">
+                <a:sym typeface="Arial" charset="0"/>
+              </a:rPr>
+              <a:t>() {}</a:t>
             </a:r>
           </a:p>
           <a:p>
@@ -18065,100 +17911,23 @@
               <a:buNone/>
             </a:pPr>
             <a:r>
-              <a:rPr lang="zh-CN" altLang="en-US" sz="2400" dirty="0"/>
-              <a:t>    </a:t>
-            </a:r>
-            <a:r>
-              <a:rPr lang="en-US" altLang="zh-CN" sz="2400" dirty="0"/>
-              <a:t>if(mark &lt; 0) throw new </a:t>
-            </a:r>
-            <a:r>
-              <a:rPr lang="en-US" altLang="zh-CN" sz="2400" dirty="0" err="1"/>
-              <a:t>NegativeMarkException</a:t>
-            </a:r>
-            <a:r>
-              <a:rPr lang="en-US" altLang="zh-CN" sz="2400" dirty="0"/>
-              <a:t>(); </a:t>
-            </a:r>
-          </a:p>
-          <a:p>
-            <a:pPr marL="274320" lvl="1" indent="0">
-              <a:buNone/>
-            </a:pPr>
-            <a:r>
-              <a:rPr lang="zh-CN" altLang="en-US" sz="2400" dirty="0"/>
-              <a:t>    </a:t>
-            </a:r>
-            <a:r>
-              <a:rPr lang="en-US" altLang="zh-CN" sz="2400" dirty="0"/>
-              <a:t>if(mark&gt; 100) throw new </a:t>
-            </a:r>
-            <a:r>
-              <a:rPr lang="en-US" altLang="zh-CN" sz="2400" dirty="0" err="1"/>
-              <a:t>OutofMarkException</a:t>
-            </a:r>
-            <a:r>
-              <a:rPr lang="en-US" altLang="zh-CN" sz="2400" dirty="0"/>
-              <a:t>();</a:t>
-            </a:r>
-          </a:p>
-          <a:p>
-            <a:pPr marL="274320" lvl="1" indent="0">
-              <a:buNone/>
-            </a:pPr>
-            <a:r>
-              <a:rPr lang="zh-CN" altLang="en-US" sz="2400" dirty="0"/>
-              <a:t> </a:t>
-            </a:r>
-            <a:r>
-              <a:rPr lang="en-US" altLang="zh-CN" sz="2400" dirty="0"/>
-              <a:t>}</a:t>
-            </a:r>
-          </a:p>
-          <a:p>
-            <a:endParaRPr lang="zh-CN" sz="2800" dirty="0">
+              <a:rPr lang="zh-CN" altLang="en-US" dirty="0">
+                <a:sym typeface="Arial" charset="0"/>
+              </a:rPr>
+              <a:t>  </a:t>
+            </a:r>
+            <a:r>
+              <a:rPr lang="en-US" altLang="zh-CN" dirty="0">
+                <a:sym typeface="Arial" charset="0"/>
+              </a:rPr>
+              <a:t>} </a:t>
+            </a:r>
+          </a:p>
+          <a:p>
+            <a:pPr lvl="1"/>
+            <a:endParaRPr lang="zh-CN" dirty="0">
               <a:sym typeface="Arial" charset="0"/>
             </a:endParaRPr>
-          </a:p>
-        </p:txBody>
-      </p:sp>
-      <p:sp>
-        <p:nvSpPr>
-          <p:cNvPr id="30725" name="Rectangle 5"/>
-          <p:cNvSpPr>
-            <a:spLocks noChangeArrowheads="1"/>
-          </p:cNvSpPr>
-          <p:nvPr/>
-        </p:nvSpPr>
-        <p:spPr bwMode="auto">
-          <a:xfrm>
-            <a:off x="8743982" y="6491288"/>
-            <a:ext cx="1924050" cy="366712"/>
-          </a:xfrm>
-          <a:prstGeom prst="rect">
-            <a:avLst/>
-          </a:prstGeom>
-          <a:noFill/>
-          <a:ln w="9525" algn="ctr">
-            <a:noFill/>
-            <a:miter lim="800000"/>
-            <a:headEnd/>
-            <a:tailEnd/>
-          </a:ln>
-          <a:effectLst/>
-        </p:spPr>
-        <p:txBody>
-          <a:bodyPr wrap="none" anchor="ctr">
-            <a:spAutoFit/>
-          </a:bodyPr>
-          <a:lstStyle/>
-          <a:p>
-            <a:r>
-              <a:rPr lang="en-US" altLang="zh-CN" dirty="0">
-                <a:ea typeface="宋体" charset="-122"/>
-              </a:rPr>
-              <a:t>ThrowsTest.java </a:t>
-            </a:r>
           </a:p>
         </p:txBody>
       </p:sp>
@@ -18201,7 +17970,7 @@
       </p:grpSpPr>
       <p:sp>
         <p:nvSpPr>
-          <p:cNvPr id="48130" name="Rectangle 2"/>
+          <p:cNvPr id="30722" name="Rectangle 2"/>
           <p:cNvSpPr>
             <a:spLocks noGrp="1" noChangeArrowheads="1"/>
           </p:cNvSpPr>
@@ -18215,15 +17984,15 @@
           <a:lstStyle/>
           <a:p>
             <a:r>
-              <a:rPr lang="zh-CN" altLang="en-US"/>
-              <a:t>断言</a:t>
+              <a:rPr lang="zh-CN"/>
+              <a:t>throws语句</a:t>
             </a:r>
           </a:p>
         </p:txBody>
       </p:sp>
       <p:sp>
         <p:nvSpPr>
-          <p:cNvPr id="48131" name="Rectangle 3"/>
+          <p:cNvPr id="30723" name="Rectangle 3"/>
           <p:cNvSpPr>
             <a:spLocks noGrp="1" noChangeArrowheads="1"/>
           </p:cNvSpPr>
@@ -18237,72 +18006,208 @@
           <a:lstStyle/>
           <a:p>
             <a:r>
-              <a:rPr lang="zh-CN" altLang="en-US" dirty="0"/>
-              <a:t>发现错误立刻停止</a:t>
-            </a:r>
-          </a:p>
-          <a:p>
-            <a:r>
-              <a:rPr lang="en-US" altLang="zh-CN" dirty="0"/>
-              <a:t>Assert </a:t>
-            </a:r>
-            <a:r>
-              <a:rPr lang="en-US" altLang="zh-CN" dirty="0" err="1"/>
-              <a:t>booleanExpression</a:t>
-            </a:r>
-            <a:endParaRPr lang="en-US" altLang="zh-CN" dirty="0"/>
-          </a:p>
-          <a:p>
-            <a:r>
-              <a:rPr lang="en-US" altLang="zh-CN" dirty="0"/>
-              <a:t>Assert </a:t>
-            </a:r>
-            <a:r>
-              <a:rPr lang="en-US" altLang="zh-CN" dirty="0" err="1"/>
-              <a:t>booleanExpression:message</a:t>
-            </a:r>
-            <a:endParaRPr lang="en-US" altLang="zh-CN" dirty="0"/>
-          </a:p>
-          <a:p>
-            <a:r>
-              <a:rPr lang="zh-CN" altLang="en-US" dirty="0"/>
-              <a:t>当然</a:t>
-            </a:r>
-            <a:r>
-              <a:rPr lang="en-US" altLang="zh-CN" dirty="0" err="1"/>
-              <a:t>booleanExpression</a:t>
-            </a:r>
-            <a:r>
-              <a:rPr lang="zh-CN" altLang="en-US" dirty="0"/>
-              <a:t>为</a:t>
-            </a:r>
-            <a:r>
-              <a:rPr lang="en-US" altLang="zh-CN" dirty="0"/>
-              <a:t>false</a:t>
-            </a:r>
-            <a:r>
-              <a:rPr lang="zh-CN" altLang="en-US" dirty="0"/>
-              <a:t>的时候，程序从断言处停止执行，并输出</a:t>
-            </a:r>
-            <a:r>
-              <a:rPr lang="en-US" altLang="zh-CN" dirty="0"/>
-              <a:t>message</a:t>
-            </a:r>
-          </a:p>
-          <a:p>
-            <a:r>
-              <a:rPr lang="zh-CN" altLang="en-US" dirty="0"/>
-              <a:t>启用断言：</a:t>
-            </a:r>
-            <a:r>
-              <a:rPr lang="en-US" altLang="zh-CN" dirty="0"/>
-              <a:t>java –ea </a:t>
-            </a:r>
-            <a:r>
-              <a:rPr lang="en-US" altLang="zh-CN" dirty="0" err="1"/>
-              <a:t>ClassName</a:t>
-            </a:r>
-            <a:endParaRPr lang="en-US" altLang="zh-CN" dirty="0"/>
+              <a:rPr lang="zh-CN" sz="2800" dirty="0">
+                <a:sym typeface="Arial" charset="0"/>
+              </a:rPr>
+              <a:t>抛出异常的方法并不处理该异常，而是由调用该方法的另一方法来处理，那么这时可以使用throws语句给方法声明一个例外情况，其声明格式为：</a:t>
+            </a:r>
+            <a:endParaRPr lang="en-US" altLang="zh-CN" sz="2800" dirty="0">
+              <a:sym typeface="Arial" charset="0"/>
+            </a:endParaRPr>
+          </a:p>
+          <a:p>
+            <a:r>
+              <a:rPr lang="en-US" altLang="zh-CN" sz="2800" dirty="0"/>
+              <a:t>&lt;</a:t>
+            </a:r>
+            <a:r>
+              <a:rPr lang="zh-CN" altLang="en-US" sz="2800" dirty="0"/>
+              <a:t>返回类型</a:t>
+            </a:r>
+            <a:r>
+              <a:rPr lang="en-US" altLang="zh-CN" sz="2800" dirty="0"/>
+              <a:t>&gt; &lt;</a:t>
+            </a:r>
+            <a:r>
+              <a:rPr lang="zh-CN" altLang="en-US" sz="2800" dirty="0"/>
+              <a:t>方法名</a:t>
+            </a:r>
+            <a:r>
+              <a:rPr lang="en-US" altLang="zh-CN" sz="2800" dirty="0"/>
+              <a:t>&gt;(</a:t>
+            </a:r>
+            <a:r>
+              <a:rPr lang="en-US" altLang="zh-CN" sz="2800" dirty="0" err="1"/>
+              <a:t>paraList</a:t>
+            </a:r>
+            <a:r>
+              <a:rPr lang="en-US" altLang="zh-CN" sz="2800" dirty="0"/>
+              <a:t>)</a:t>
+            </a:r>
+            <a:r>
+              <a:rPr lang="zh-CN" altLang="en-US" sz="2800" dirty="0"/>
+              <a:t> </a:t>
+            </a:r>
+            <a:r>
+              <a:rPr lang="en-US" altLang="zh-CN" sz="2800" dirty="0"/>
+              <a:t>throws</a:t>
+            </a:r>
+            <a:r>
+              <a:rPr lang="zh-CN" altLang="en-US" sz="2800" dirty="0"/>
+              <a:t> 异常类</a:t>
+            </a:r>
+            <a:r>
+              <a:rPr lang="en-US" altLang="zh-CN" sz="2800" dirty="0"/>
+              <a:t>1,...</a:t>
+            </a:r>
+          </a:p>
+          <a:p>
+            <a:r>
+              <a:rPr lang="zh-CN" altLang="en-US" sz="2800" dirty="0"/>
+              <a:t>例：</a:t>
+            </a:r>
+          </a:p>
+          <a:p>
+            <a:pPr marL="274320" lvl="1" indent="0">
+              <a:buNone/>
+            </a:pPr>
+            <a:r>
+              <a:rPr lang="zh-CN" altLang="en-US" sz="2400" dirty="0"/>
+              <a:t> </a:t>
+            </a:r>
+            <a:r>
+              <a:rPr lang="en-US" altLang="zh-CN" sz="2400" dirty="0"/>
+              <a:t>void exam(int mark) throws</a:t>
+            </a:r>
+            <a:r>
+              <a:rPr lang="zh-CN" altLang="en-US" sz="2400" dirty="0"/>
+              <a:t> </a:t>
+            </a:r>
+            <a:r>
+              <a:rPr lang="en-US" altLang="zh-CN" sz="2400" dirty="0" err="1"/>
+              <a:t>NegativeMarkException</a:t>
+            </a:r>
+            <a:r>
+              <a:rPr lang="en-US" altLang="zh-CN" sz="2400" dirty="0"/>
+              <a:t>,</a:t>
+            </a:r>
+          </a:p>
+          <a:p>
+            <a:pPr marL="274320" lvl="1" indent="0">
+              <a:buNone/>
+            </a:pPr>
+            <a:r>
+              <a:rPr lang="zh-CN" altLang="en-US" sz="2400" dirty="0"/>
+              <a:t>                            </a:t>
+            </a:r>
+            <a:r>
+              <a:rPr lang="en-US" altLang="zh-CN" sz="2400" dirty="0" err="1"/>
+              <a:t>OutofMarkException</a:t>
+            </a:r>
+            <a:r>
+              <a:rPr lang="en-US" altLang="zh-CN" sz="2400" dirty="0"/>
+              <a:t> {</a:t>
+            </a:r>
+          </a:p>
+          <a:p>
+            <a:pPr marL="274320" lvl="1" indent="0">
+              <a:buNone/>
+            </a:pPr>
+            <a:r>
+              <a:rPr lang="zh-CN" altLang="en-US" sz="2400" dirty="0"/>
+              <a:t>    </a:t>
+            </a:r>
+            <a:r>
+              <a:rPr lang="en-US" altLang="zh-CN" sz="2400" dirty="0"/>
+              <a:t>if(mark &lt; 0) throw new </a:t>
+            </a:r>
+            <a:r>
+              <a:rPr lang="en-US" altLang="zh-CN" sz="2400" dirty="0" err="1"/>
+              <a:t>NegativeMarkException</a:t>
+            </a:r>
+            <a:r>
+              <a:rPr lang="en-US" altLang="zh-CN" sz="2400" dirty="0"/>
+              <a:t>(); </a:t>
+            </a:r>
+          </a:p>
+          <a:p>
+            <a:pPr marL="274320" lvl="1" indent="0">
+              <a:buNone/>
+            </a:pPr>
+            <a:r>
+              <a:rPr lang="zh-CN" altLang="en-US" sz="2400" dirty="0"/>
+              <a:t>    </a:t>
+            </a:r>
+            <a:r>
+              <a:rPr lang="en-US" altLang="zh-CN" sz="2400" dirty="0"/>
+              <a:t>if(mark&gt; 100) throw new </a:t>
+            </a:r>
+            <a:r>
+              <a:rPr lang="en-US" altLang="zh-CN" sz="2400" dirty="0" err="1"/>
+              <a:t>OutofMarkException</a:t>
+            </a:r>
+            <a:r>
+              <a:rPr lang="en-US" altLang="zh-CN" sz="2400" dirty="0"/>
+              <a:t>();</a:t>
+            </a:r>
+          </a:p>
+          <a:p>
+            <a:pPr marL="274320" lvl="1" indent="0">
+              <a:buNone/>
+            </a:pPr>
+            <a:r>
+              <a:rPr lang="zh-CN" altLang="en-US" sz="2400" dirty="0"/>
+              <a:t> </a:t>
+            </a:r>
+            <a:r>
+              <a:rPr lang="en-US" altLang="zh-CN" sz="2400" dirty="0"/>
+              <a:t>}</a:t>
+            </a:r>
+          </a:p>
+          <a:p>
+            <a:endParaRPr lang="zh-CN" sz="2800" dirty="0">
+              <a:sym typeface="Arial" charset="0"/>
+            </a:endParaRPr>
+          </a:p>
+        </p:txBody>
+      </p:sp>
+      <p:sp>
+        <p:nvSpPr>
+          <p:cNvPr id="30725" name="Rectangle 5"/>
+          <p:cNvSpPr>
+            <a:spLocks noChangeArrowheads="1"/>
+          </p:cNvSpPr>
+          <p:nvPr/>
+        </p:nvSpPr>
+        <p:spPr bwMode="auto">
+          <a:xfrm>
+            <a:off x="8743982" y="6491288"/>
+            <a:ext cx="1924050" cy="366712"/>
+          </a:xfrm>
+          <a:prstGeom prst="rect">
+            <a:avLst/>
+          </a:prstGeom>
+          <a:noFill/>
+          <a:ln w="9525" algn="ctr">
+            <a:noFill/>
+            <a:miter lim="800000"/>
+            <a:headEnd/>
+            <a:tailEnd/>
+          </a:ln>
+          <a:effectLst/>
+        </p:spPr>
+        <p:txBody>
+          <a:bodyPr wrap="none" anchor="ctr">
+            <a:spAutoFit/>
+          </a:bodyPr>
+          <a:lstStyle/>
+          <a:p>
+            <a:r>
+              <a:rPr lang="en-US" altLang="zh-CN" dirty="0">
+                <a:ea typeface="宋体" charset="-122"/>
+              </a:rPr>
+              <a:t>ThrowsTest.java </a:t>
+            </a:r>
           </a:p>
         </p:txBody>
       </p:sp>
@@ -18420,6 +18325,150 @@
 </file>
 
 <file path=ppt/slides/slide20.xml><?xml version="1.0" encoding="utf-8"?>
+<p:sld xmlns:a="http://schemas.openxmlformats.org/drawingml/2006/main" xmlns:r="http://schemas.openxmlformats.org/officeDocument/2006/relationships" xmlns:p="http://schemas.openxmlformats.org/presentationml/2006/main">
+  <p:cSld>
+    <p:spTree>
+      <p:nvGrpSpPr>
+        <p:cNvPr id="1" name=""/>
+        <p:cNvGrpSpPr/>
+        <p:nvPr/>
+      </p:nvGrpSpPr>
+      <p:grpSpPr>
+        <a:xfrm>
+          <a:off x="0" y="0"/>
+          <a:ext cx="0" cy="0"/>
+          <a:chOff x="0" y="0"/>
+          <a:chExt cx="0" cy="0"/>
+        </a:xfrm>
+      </p:grpSpPr>
+      <p:sp>
+        <p:nvSpPr>
+          <p:cNvPr id="48130" name="Rectangle 2"/>
+          <p:cNvSpPr>
+            <a:spLocks noGrp="1" noChangeArrowheads="1"/>
+          </p:cNvSpPr>
+          <p:nvPr>
+            <p:ph type="title"/>
+          </p:nvPr>
+        </p:nvSpPr>
+        <p:spPr/>
+        <p:txBody>
+          <a:bodyPr/>
+          <a:lstStyle/>
+          <a:p>
+            <a:r>
+              <a:rPr lang="zh-CN" altLang="en-US"/>
+              <a:t>断言</a:t>
+            </a:r>
+          </a:p>
+        </p:txBody>
+      </p:sp>
+      <p:sp>
+        <p:nvSpPr>
+          <p:cNvPr id="48131" name="Rectangle 3"/>
+          <p:cNvSpPr>
+            <a:spLocks noGrp="1" noChangeArrowheads="1"/>
+          </p:cNvSpPr>
+          <p:nvPr>
+            <p:ph sz="quarter" idx="10"/>
+          </p:nvPr>
+        </p:nvSpPr>
+        <p:spPr/>
+        <p:txBody>
+          <a:bodyPr/>
+          <a:lstStyle/>
+          <a:p>
+            <a:r>
+              <a:rPr lang="zh-CN" altLang="en-US" dirty="0"/>
+              <a:t>发现错误立刻停止</a:t>
+            </a:r>
+          </a:p>
+          <a:p>
+            <a:r>
+              <a:rPr lang="en-US" altLang="zh-CN" dirty="0"/>
+              <a:t>Assert </a:t>
+            </a:r>
+            <a:r>
+              <a:rPr lang="en-US" altLang="zh-CN" dirty="0" err="1"/>
+              <a:t>booleanExpression</a:t>
+            </a:r>
+            <a:endParaRPr lang="en-US" altLang="zh-CN" dirty="0"/>
+          </a:p>
+          <a:p>
+            <a:r>
+              <a:rPr lang="en-US" altLang="zh-CN" dirty="0"/>
+              <a:t>Assert </a:t>
+            </a:r>
+            <a:r>
+              <a:rPr lang="en-US" altLang="zh-CN" dirty="0" err="1"/>
+              <a:t>booleanExpression:message</a:t>
+            </a:r>
+            <a:endParaRPr lang="en-US" altLang="zh-CN" dirty="0"/>
+          </a:p>
+          <a:p>
+            <a:r>
+              <a:rPr lang="zh-CN" altLang="en-US" dirty="0"/>
+              <a:t>当然</a:t>
+            </a:r>
+            <a:r>
+              <a:rPr lang="en-US" altLang="zh-CN" dirty="0" err="1"/>
+              <a:t>booleanExpression</a:t>
+            </a:r>
+            <a:r>
+              <a:rPr lang="zh-CN" altLang="en-US" dirty="0"/>
+              <a:t>为</a:t>
+            </a:r>
+            <a:r>
+              <a:rPr lang="en-US" altLang="zh-CN" dirty="0"/>
+              <a:t>false</a:t>
+            </a:r>
+            <a:r>
+              <a:rPr lang="zh-CN" altLang="en-US" dirty="0"/>
+              <a:t>的时候，程序从断言处停止执行，并输出</a:t>
+            </a:r>
+            <a:r>
+              <a:rPr lang="en-US" altLang="zh-CN" dirty="0"/>
+              <a:t>message</a:t>
+            </a:r>
+          </a:p>
+          <a:p>
+            <a:r>
+              <a:rPr lang="zh-CN" altLang="en-US" dirty="0"/>
+              <a:t>启用断言：</a:t>
+            </a:r>
+            <a:r>
+              <a:rPr lang="en-US" altLang="zh-CN" dirty="0"/>
+              <a:t>java –ea </a:t>
+            </a:r>
+            <a:r>
+              <a:rPr lang="en-US" altLang="zh-CN" dirty="0" err="1"/>
+              <a:t>ClassName</a:t>
+            </a:r>
+            <a:endParaRPr lang="en-US" altLang="zh-CN" dirty="0"/>
+          </a:p>
+        </p:txBody>
+      </p:sp>
+    </p:spTree>
+  </p:cSld>
+  <p:clrMapOvr>
+    <a:masterClrMapping/>
+  </p:clrMapOvr>
+  <mc:AlternateContent xmlns:mc="http://schemas.openxmlformats.org/markup-compatibility/2006" xmlns:p14="http://schemas.microsoft.com/office/powerpoint/2010/main">
+    <mc:Choice Requires="p14">
+      <p:transition spd="med" p14:dur="700">
+        <p:fade/>
+      </p:transition>
+    </mc:Choice>
+    <mc:Fallback xmlns="">
+      <p:transition spd="med">
+        <p:fade/>
+      </p:transition>
+    </mc:Fallback>
+  </mc:AlternateContent>
+</p:sld>
+</file>
+
+<file path=ppt/slides/slide21.xml><?xml version="1.0" encoding="utf-8"?>
 <p:sld xmlns:a="http://schemas.openxmlformats.org/drawingml/2006/main" xmlns:r="http://schemas.openxmlformats.org/officeDocument/2006/relationships" xmlns:p="http://schemas.openxmlformats.org/presentationml/2006/main">
   <p:cSld>
     <p:spTree>
